--- a/Presentación4.pptx
+++ b/Presentación4.pptx
@@ -5,10 +5,10 @@
     <p:sldMasterId id="2147483712" r:id="rId1"/>
   </p:sldMasterIdLst>
   <p:notesMasterIdLst>
-    <p:notesMasterId r:id="rId19"/>
+    <p:notesMasterId r:id="rId20"/>
   </p:notesMasterIdLst>
   <p:handoutMasterIdLst>
-    <p:handoutMasterId r:id="rId20"/>
+    <p:handoutMasterId r:id="rId21"/>
   </p:handoutMasterIdLst>
   <p:sldIdLst>
     <p:sldId id="256" r:id="rId2"/>
@@ -25,9 +25,10 @@
     <p:sldId id="267" r:id="rId13"/>
     <p:sldId id="268" r:id="rId14"/>
     <p:sldId id="269" r:id="rId15"/>
-    <p:sldId id="271" r:id="rId16"/>
+    <p:sldId id="275" r:id="rId16"/>
     <p:sldId id="272" r:id="rId17"/>
     <p:sldId id="270" r:id="rId18"/>
+    <p:sldId id="271" r:id="rId19"/>
   </p:sldIdLst>
   <p:sldSz cx="12192000" cy="6858000"/>
   <p:notesSz cx="6858000" cy="9144000"/>
@@ -143,7 +144,7 @@
     <p1510:client id="{2FA4D89E-61F1-2DEA-2F48-256D2812830D}" v="8" dt="2025-03-24T18:33:10.260"/>
     <p1510:client id="{3993F84C-F003-1A0D-2C31-95C5140C06D3}" v="83" dt="2025-03-24T18:24:35.821"/>
     <p1510:client id="{3A54A4CC-532C-B56C-1EA0-BD26331A0EAE}" v="177" dt="2025-03-24T16:55:21.787"/>
-    <p1510:client id="{B2F10A8B-D840-CFA2-AF51-A3E0F355B523}" v="3" dt="2025-03-24T19:08:03.602"/>
+    <p1510:client id="{B2F10A8B-D840-CFA2-AF51-A3E0F355B523}" v="15" dt="2025-03-24T20:26:08.741"/>
     <p1510:client id="{CC58884F-27A7-E669-DD39-716F5ACC6D3A}" v="34" dt="2025-03-24T19:45:32.138"/>
   </p1510:revLst>
 </p1510:revInfo>
@@ -3831,8 +3832,8 @@
           </a:p>
         </p:txBody>
       </p:sp>
-      <mc:AlternateContent xmlns:mc="http://schemas.openxmlformats.org/markup-compatibility/2006" xmlns:p14="http://schemas.microsoft.com/office/powerpoint/2010/main">
-        <mc:Choice Requires="p14">
+      <mc:AlternateContent xmlns:mc="http://schemas.openxmlformats.org/markup-compatibility/2006">
+        <mc:Choice xmlns:p14="http://schemas.microsoft.com/office/powerpoint/2010/main" Requires="p14">
           <p:contentPart p14:bwMode="auto" r:id="rId14">
             <p14:nvContentPartPr>
               <p14:cNvPr id="18" name="Ink 17">
@@ -3851,7 +3852,7 @@
             </p14:xfrm>
           </p:contentPart>
         </mc:Choice>
-        <mc:Fallback xmlns="">
+        <mc:Fallback>
           <p:pic>
             <p:nvPicPr>
               <p:cNvPr id="18" name="Ink 17">
@@ -5482,7 +5483,7 @@
         <p:cNvPr id="1" name="">
           <a:extLst>
             <a:ext uri="{FF2B5EF4-FFF2-40B4-BE49-F238E27FC236}">
-              <a16:creationId xmlns:a16="http://schemas.microsoft.com/office/drawing/2014/main" id="{89134FC0-B3E5-DCEA-4B69-FB222A338CFB}"/>
+              <a16:creationId xmlns:a16="http://schemas.microsoft.com/office/drawing/2014/main" id="{A986008B-8A0A-CBAC-8813-4D0B2823390A}"/>
             </a:ext>
           </a:extLst>
         </p:cNvPr>
@@ -5502,7 +5503,7 @@
           <p:cNvPr id="2" name="Título 1">
             <a:extLst>
               <a:ext uri="{FF2B5EF4-FFF2-40B4-BE49-F238E27FC236}">
-                <a16:creationId xmlns:a16="http://schemas.microsoft.com/office/drawing/2014/main" id="{8B80B8D7-82A1-9B8D-DD7B-47F1EFBC7939}"/>
+                <a16:creationId xmlns:a16="http://schemas.microsoft.com/office/drawing/2014/main" id="{1D56B3DC-CED0-9663-A599-C18EE67E2887}"/>
               </a:ext>
             </a:extLst>
           </p:cNvPr>
@@ -5551,7 +5552,7 @@
           <p:cNvPr id="3" name="Subtítulo 2">
             <a:extLst>
               <a:ext uri="{FF2B5EF4-FFF2-40B4-BE49-F238E27FC236}">
-                <a16:creationId xmlns:a16="http://schemas.microsoft.com/office/drawing/2014/main" id="{F20FC485-ABDD-858A-ACCA-214608B2438E}"/>
+                <a16:creationId xmlns:a16="http://schemas.microsoft.com/office/drawing/2014/main" id="{391D78BA-F970-15D1-84B3-2D9AF21E98D2}"/>
               </a:ext>
             </a:extLst>
           </p:cNvPr>
@@ -5574,7 +5575,7 @@
     </p:spTree>
     <p:extLst>
       <p:ext uri="{BB962C8B-B14F-4D97-AF65-F5344CB8AC3E}">
-        <p14:creationId xmlns:p14="http://schemas.microsoft.com/office/powerpoint/2010/main" val="435333600"/>
+        <p14:creationId xmlns:p14="http://schemas.microsoft.com/office/powerpoint/2010/main" val="425061940"/>
       </p:ext>
     </p:extLst>
   </p:cSld>
@@ -5635,7 +5636,7 @@
               </a:lnSpc>
             </a:pPr>
             <a:r>
-              <a:rPr lang="es-ES" dirty="0">
+              <a:rPr lang="es-ES">
                 <a:ea typeface="Batang"/>
               </a:rPr>
               <a:t>Institución registro: Refleja la entidad que formaliza el incidente (ej. Ministerio Público, Policía). Afecta las medidas aplicadas.</a:t>
@@ -5648,7 +5649,7 @@
               </a:lnSpc>
             </a:pPr>
             <a:r>
-              <a:rPr lang="es-ES" dirty="0"/>
+              <a:rPr lang="es-ES"/>
               <a:t>Ley aplicable: Indica la ley bajo la que se evalúa el caso, determinando las medidas legales pertinentes.</a:t>
             </a:r>
           </a:p>
@@ -5659,7 +5660,7 @@
               </a:lnSpc>
             </a:pPr>
             <a:r>
-              <a:rPr lang="es-ES" dirty="0"/>
+              <a:rPr lang="es-ES"/>
               <a:t>Medidas seguridad: Señala si se aplicaron medidas de seguridad, clave para identificar qué casos las requieren.</a:t>
             </a:r>
           </a:p>
@@ -5670,7 +5671,7 @@
               </a:lnSpc>
             </a:pPr>
             <a:r>
-              <a:rPr lang="es-ES" dirty="0">
+              <a:rPr lang="es-ES">
                 <a:ea typeface="Batang"/>
               </a:rPr>
               <a:t>Organismo jurisdiccional: Especifica la autoridad judicial encargada del caso, lo que influye en las medidas posibles.</a:t>
@@ -5683,7 +5684,7 @@
               </a:lnSpc>
             </a:pPr>
             <a:r>
-              <a:rPr lang="es-ES" dirty="0">
+              <a:rPr lang="es-ES">
                 <a:ea typeface="Batang"/>
               </a:rPr>
               <a:t>Organismo remite: Indica la institución que presentó el reporte del incidente, lo que impacta el seguimiento y medidas.</a:t>
@@ -5696,7 +5697,7 @@
               </a:lnSpc>
             </a:pPr>
             <a:r>
-              <a:rPr lang="es-ES" dirty="0">
+              <a:rPr lang="es-ES">
                 <a:ea typeface="Batang"/>
               </a:rPr>
               <a:t>Quien reporta: Identifica al denunciante, lo que puede influir en las decisiones sobre medidas.</a:t>
@@ -5709,7 +5710,7 @@
               </a:lnSpc>
             </a:pPr>
             <a:r>
-              <a:rPr lang="es-ES" dirty="0">
+              <a:rPr lang="es-ES">
                 <a:ea typeface="Batang"/>
               </a:rPr>
               <a:t>Otras víctimas total: Muestra el número total de víctimas, relacionado con la severidad del incidente y las medidas necesarias.</a:t>
@@ -5722,7 +5723,7 @@
               </a:lnSpc>
             </a:pPr>
             <a:r>
-              <a:rPr lang="es-ES" dirty="0">
+              <a:rPr lang="es-ES">
                 <a:ea typeface="Batang"/>
               </a:rPr>
               <a:t>Tipo agresión: Clasifica la naturaleza de la agresión (física, psicológica, sexual, etc.), lo cual es crucial para determinar las medidas a aplicar.</a:t>
@@ -6006,6 +6007,91 @@
 </p:sld>
 </file>
 
+<file path=ppt/slides/slide18.xml><?xml version="1.0" encoding="utf-8"?>
+<p:sld xmlns:a="http://schemas.openxmlformats.org/drawingml/2006/main" xmlns:r="http://schemas.openxmlformats.org/officeDocument/2006/relationships" xmlns:p="http://schemas.openxmlformats.org/presentationml/2006/main">
+  <p:cSld>
+    <p:spTree>
+      <p:nvGrpSpPr>
+        <p:cNvPr id="1" name="">
+          <a:extLst>
+            <a:ext uri="{FF2B5EF4-FFF2-40B4-BE49-F238E27FC236}">
+              <a16:creationId xmlns:a16="http://schemas.microsoft.com/office/drawing/2014/main" id="{89134FC0-B3E5-DCEA-4B69-FB222A338CFB}"/>
+            </a:ext>
+          </a:extLst>
+        </p:cNvPr>
+        <p:cNvGrpSpPr/>
+        <p:nvPr/>
+      </p:nvGrpSpPr>
+      <p:grpSpPr>
+        <a:xfrm>
+          <a:off x="0" y="0"/>
+          <a:ext cx="0" cy="0"/>
+          <a:chOff x="0" y="0"/>
+          <a:chExt cx="0" cy="0"/>
+        </a:xfrm>
+      </p:grpSpPr>
+      <p:sp>
+        <p:nvSpPr>
+          <p:cNvPr id="2" name="Título 1">
+            <a:extLst>
+              <a:ext uri="{FF2B5EF4-FFF2-40B4-BE49-F238E27FC236}">
+                <a16:creationId xmlns:a16="http://schemas.microsoft.com/office/drawing/2014/main" id="{8B80B8D7-82A1-9B8D-DD7B-47F1EFBC7939}"/>
+              </a:ext>
+            </a:extLst>
+          </p:cNvPr>
+          <p:cNvSpPr>
+            <a:spLocks noGrp="1"/>
+          </p:cNvSpPr>
+          <p:nvPr>
+            <p:ph type="ctrTitle"/>
+          </p:nvPr>
+        </p:nvSpPr>
+        <p:spPr>
+          <a:xfrm>
+            <a:off x="1756946" y="308264"/>
+            <a:ext cx="8376514" cy="3120504"/>
+          </a:xfrm>
+        </p:spPr>
+        <p:txBody>
+          <a:bodyPr>
+            <a:normAutofit/>
+          </a:bodyPr>
+          <a:lstStyle/>
+          <a:p>
+            <a:r>
+              <a:rPr lang="es-ES">
+                <a:solidFill>
+                  <a:srgbClr val="262626"/>
+                </a:solidFill>
+                <a:latin typeface="Bembo"/>
+                <a:ea typeface="Batang"/>
+                <a:cs typeface="Times New Roman"/>
+              </a:rPr>
+              <a:t>Conclusiones</a:t>
+            </a:r>
+            <a:endParaRPr lang="es-ES">
+              <a:solidFill>
+                <a:srgbClr val="262626"/>
+              </a:solidFill>
+              <a:latin typeface="Bembo"/>
+              <a:cs typeface="Times New Roman"/>
+            </a:endParaRPr>
+          </a:p>
+        </p:txBody>
+      </p:sp>
+    </p:spTree>
+    <p:extLst>
+      <p:ext uri="{BB962C8B-B14F-4D97-AF65-F5344CB8AC3E}">
+        <p14:creationId xmlns:p14="http://schemas.microsoft.com/office/powerpoint/2010/main" val="435333600"/>
+      </p:ext>
+    </p:extLst>
+  </p:cSld>
+  <p:clrMapOvr>
+    <a:masterClrMapping/>
+  </p:clrMapOvr>
+</p:sld>
+</file>
+
 <file path=ppt/slides/slide2.xml><?xml version="1.0" encoding="utf-8"?>
 <p:sld xmlns:a="http://schemas.openxmlformats.org/drawingml/2006/main" xmlns:r="http://schemas.openxmlformats.org/officeDocument/2006/relationships" xmlns:p="http://schemas.openxmlformats.org/presentationml/2006/main">
   <p:cSld>
@@ -6088,27 +6174,27 @@
           <a:lstStyle/>
           <a:p>
             <a:r>
-              <a:rPr lang="es-ES" sz="1400" dirty="0">
+              <a:rPr lang="es-ES" sz="1400">
                 <a:ea typeface="+mn-lt"/>
                 <a:cs typeface="+mn-lt"/>
               </a:rPr>
               <a:t>La violencia intrafamiliar en Guatemala supera las 35 000 denuncias anuales y afecta principalmente a mujeres (85 %). Las decisiones judiciales sobre medidas legales —desde órdenes de alejamiento hasta procesos penales— varían ampliamente y carecen de criterios predictivos </a:t>
             </a:r>
             <a:r>
-              <a:rPr lang="es-ES" sz="1400" dirty="0" err="1">
+              <a:rPr lang="es-ES" sz="1400" err="1">
                 <a:ea typeface="+mn-lt"/>
                 <a:cs typeface="+mn-lt"/>
               </a:rPr>
               <a:t>claros.La</a:t>
             </a:r>
             <a:r>
-              <a:rPr lang="es-ES" sz="1400" dirty="0">
+              <a:rPr lang="es-ES" sz="1400">
                 <a:ea typeface="+mn-lt"/>
                 <a:cs typeface="+mn-lt"/>
               </a:rPr>
               <a:t> violencia intrafamiliar en Guatemala supera las 35 000 denuncias anuales —un aumento del 25% entre 2019 y 2023— y afecta de forma desproporcionada a mujeres (85 % de las víctimas). Las medidas legales aplicadas a los presuntos agresores (órdenes de alejamiento, medidas cautelares, procesos penales) se imponen de forma heterogénea, sin criterios predictivos claros que guíen la toma de decisiones judiciales.</a:t>
             </a:r>
-            <a:endParaRPr lang="es-ES" sz="1400" dirty="0"/>
+            <a:endParaRPr lang="es-ES" sz="1400"/>
           </a:p>
         </p:txBody>
       </p:sp>
@@ -6219,13 +6305,13 @@
           <a:lstStyle/>
           <a:p>
             <a:r>
-              <a:rPr lang="es-ES" sz="1400" dirty="0">
+              <a:rPr lang="es-ES" sz="1400">
                 <a:ea typeface="+mn-lt"/>
                 <a:cs typeface="+mn-lt"/>
               </a:rPr>
               <a:t>La ausencia de análisis predictivos sobre las decisiones judiciales limita la capacidad de las instituciones para asignar medidas legales de manera consistente y eficiente. Esto provoca retrasos en la protección de las víctimas, inconsistencias en la aplicación de sanciones y potencial revictimización, además de un uso subóptimo de recursos públicos.</a:t>
             </a:r>
-            <a:endParaRPr lang="es-ES" sz="1400" dirty="0"/>
+            <a:endParaRPr lang="es-ES" sz="1400"/>
           </a:p>
         </p:txBody>
       </p:sp>
@@ -6336,7 +6422,7 @@
           <a:lstStyle/>
           <a:p>
             <a:r>
-              <a:rPr lang="es-ES" dirty="0">
+              <a:rPr lang="es-ES">
                 <a:ea typeface="+mn-lt"/>
                 <a:cs typeface="+mn-lt"/>
               </a:rPr>
@@ -6435,7 +6521,7 @@
           <a:lstStyle/>
           <a:p>
             <a:r>
-              <a:rPr lang="es-ES" dirty="0">
+              <a:rPr lang="es-ES">
                 <a:solidFill>
                   <a:srgbClr val="262626"/>
                 </a:solidFill>
@@ -6446,13 +6532,13 @@
               <a:t>Objetivo general</a:t>
             </a:r>
             <a:br>
-              <a:rPr lang="es-ES" dirty="0">
+              <a:rPr lang="es-ES">
                 <a:latin typeface="Bembo"/>
                 <a:cs typeface="Times New Roman"/>
               </a:rPr>
             </a:br>
             <a:r>
-              <a:rPr lang="es-ES" dirty="0">
+              <a:rPr lang="es-ES">
                 <a:ea typeface="+mn-lt"/>
                 <a:cs typeface="+mn-lt"/>
               </a:rPr>
@@ -6463,7 +6549,7 @@
             <a:pPr marL="0" indent="0">
               <a:buNone/>
             </a:pPr>
-            <a:endParaRPr lang="es-ES" dirty="0">
+            <a:endParaRPr lang="es-ES">
               <a:solidFill>
                 <a:srgbClr val="262626"/>
               </a:solidFill>
@@ -6474,7 +6560,7 @@
           </a:p>
           <a:p>
             <a:r>
-              <a:rPr lang="es-ES" dirty="0">
+              <a:rPr lang="es-ES">
                 <a:solidFill>
                   <a:srgbClr val="262626"/>
                 </a:solidFill>
@@ -6488,7 +6574,7 @@
           <a:p>
             <a:pPr lvl="1"/>
             <a:r>
-              <a:rPr lang="es-ES" dirty="0">
+              <a:rPr lang="es-ES">
                 <a:ea typeface="+mn-lt"/>
                 <a:cs typeface="+mn-lt"/>
               </a:rPr>
@@ -6502,27 +6588,27 @@
           <a:p>
             <a:pPr lvl="1"/>
             <a:r>
-              <a:rPr lang="es-ES" dirty="0">
+              <a:rPr lang="es-ES">
                 <a:ea typeface="+mn-lt"/>
                 <a:cs typeface="+mn-lt"/>
               </a:rPr>
               <a:t>Evaluar el desempeño del modelo (precisión, </a:t>
             </a:r>
             <a:r>
-              <a:rPr lang="es-ES" dirty="0" err="1">
+              <a:rPr lang="es-ES" err="1">
                 <a:ea typeface="+mn-lt"/>
                 <a:cs typeface="+mn-lt"/>
               </a:rPr>
               <a:t>recall</a:t>
             </a:r>
             <a:r>
-              <a:rPr lang="es-ES" dirty="0">
+              <a:rPr lang="es-ES">
                 <a:ea typeface="+mn-lt"/>
                 <a:cs typeface="+mn-lt"/>
               </a:rPr>
               <a:t>, F1-score).</a:t>
             </a:r>
-            <a:endParaRPr lang="es-ES" dirty="0"/>
+            <a:endParaRPr lang="es-ES"/>
           </a:p>
           <a:p>
             <a:pPr lvl="1"/>
@@ -6531,7 +6617,7 @@
           <a:p>
             <a:pPr lvl="1"/>
             <a:r>
-              <a:rPr lang="es-ES" dirty="0">
+              <a:rPr lang="es-ES">
                 <a:ea typeface="+mn-lt"/>
                 <a:cs typeface="+mn-lt"/>
               </a:rPr>
